--- a/卒業論文本体/Document/EditorComparisonAC.pptx
+++ b/卒業論文本体/Document/EditorComparisonAC.pptx
@@ -104,6 +104,11 @@
       </a:defRPr>
     </a:lvl9pPr>
   </p:defaultTextStyle>
+  <p:extLst>
+    <p:ext uri="{EFAFB233-063F-42B5-8137-9DF3F51BA10A}">
+      <p15:sldGuideLst xmlns:p15="http://schemas.microsoft.com/office/powerpoint/2012/main"/>
+    </p:ext>
+  </p:extLst>
 </p:presentation>
 </file>
 
@@ -141,9 +146,52 @@
               </a:defRPr>
             </a:pPr>
             <a:r>
-              <a:rPr lang="ja-JP" altLang="en-US" sz="2800"/>
-              <a:t>オーケストレーション定義エディタによる作成所要時間比較</a:t>
-            </a:r>
+              <a:rPr lang="ja-JP" altLang="en-US" sz="2400" dirty="0"/>
+              <a:t>オーケストレーション定義エディタ</a:t>
+            </a:r>
+            <a:r>
+              <a:rPr lang="ja-JP" altLang="en-US" sz="2400" dirty="0" smtClean="0"/>
+              <a:t>における作成</a:t>
+            </a:r>
+            <a:r>
+              <a:rPr lang="ja-JP" altLang="en-US" sz="2400" dirty="0"/>
+              <a:t>所要時間</a:t>
+            </a:r>
+            <a:r>
+              <a:rPr lang="ja-JP" altLang="en-US" sz="2400" dirty="0" smtClean="0"/>
+              <a:t>比較</a:t>
+            </a:r>
+            <a:endParaRPr lang="en-US" altLang="ja-JP" sz="2400" dirty="0" smtClean="0"/>
+          </a:p>
+          <a:p>
+            <a:pPr>
+              <a:defRPr sz="2800"/>
+            </a:pPr>
+            <a:r>
+              <a:rPr lang="ja-JP" altLang="en-US" sz="2400" dirty="0" smtClean="0"/>
+              <a:t>（被験者</a:t>
+            </a:r>
+            <a:r>
+              <a:rPr lang="en-US" altLang="ja-JP" sz="2400" dirty="0" smtClean="0"/>
+              <a:t>A</a:t>
+            </a:r>
+            <a:r>
+              <a:rPr lang="ja-JP" altLang="en-US" sz="2400" dirty="0" err="1" smtClean="0"/>
+              <a:t>，</a:t>
+            </a:r>
+            <a:r>
+              <a:rPr lang="ja-JP" altLang="en-US" sz="2400" dirty="0" smtClean="0"/>
+              <a:t>被験者</a:t>
+            </a:r>
+            <a:r>
+              <a:rPr lang="en-US" altLang="ja-JP" sz="2400" dirty="0" smtClean="0"/>
+              <a:t>C</a:t>
+            </a:r>
+            <a:r>
+              <a:rPr lang="ja-JP" altLang="en-US" sz="2400" dirty="0" smtClean="0"/>
+              <a:t>）</a:t>
+            </a:r>
+            <a:endParaRPr lang="ja-JP" altLang="en-US" sz="2400" dirty="0"/>
           </a:p>
         </c:rich>
       </c:tx>
@@ -317,6 +365,7 @@
               <a:solidFill>
                 <a:schemeClr val="accent2"/>
               </a:solidFill>
+              <a:prstDash val="sysDash"/>
               <a:round/>
             </a:ln>
             <a:effectLst/>
@@ -324,6 +373,23 @@
           <c:marker>
             <c:symbol val="none"/>
           </c:marker>
+          <c:dPt>
+            <c:idx val="1"/>
+            <c:marker>
+              <c:symbol val="none"/>
+            </c:marker>
+            <c:bubble3D val="0"/>
+            <c:spPr>
+              <a:ln w="28575" cap="rnd" cmpd="sng">
+                <a:solidFill>
+                  <a:schemeClr val="accent2"/>
+                </a:solidFill>
+                <a:prstDash val="sysDash"/>
+                <a:round/>
+              </a:ln>
+              <a:effectLst/>
+            </c:spPr>
+          </c:dPt>
           <c:dLbls>
             <c:dLbl>
               <c:idx val="0"/>
@@ -427,7 +493,6 @@
             <c:showLeaderLines val="0"/>
             <c:extLst>
               <c:ext xmlns:c15="http://schemas.microsoft.com/office/drawing/2012/chart" uri="{CE6537A1-D6FC-4f65-9D91-7224C49458BB}">
-                <c15:layout/>
                 <c15:showLeaderLines val="1"/>
                 <c15:leaderLines>
                   <c:spPr>
@@ -476,11 +541,11 @@
           <c:showBubbleSize val="0"/>
         </c:dLbls>
         <c:smooth val="0"/>
-        <c:axId val="-1897174784"/>
-        <c:axId val="-1897172608"/>
+        <c:axId val="-1524336576"/>
+        <c:axId val="-1524326784"/>
       </c:lineChart>
       <c:catAx>
-        <c:axId val="-1897174784"/>
+        <c:axId val="-1524336576"/>
         <c:scaling>
           <c:orientation val="minMax"/>
         </c:scaling>
@@ -578,7 +643,7 @@
             <a:endParaRPr lang="ja-JP"/>
           </a:p>
         </c:txPr>
-        <c:crossAx val="-1897172608"/>
+        <c:crossAx val="-1524326784"/>
         <c:crosses val="autoZero"/>
         <c:auto val="1"/>
         <c:lblAlgn val="ctr"/>
@@ -586,7 +651,7 @@
         <c:noMultiLvlLbl val="0"/>
       </c:catAx>
       <c:valAx>
-        <c:axId val="-1897172608"/>
+        <c:axId val="-1524326784"/>
         <c:scaling>
           <c:orientation val="minMax"/>
         </c:scaling>
@@ -706,7 +771,7 @@
             <a:endParaRPr lang="ja-JP"/>
           </a:p>
         </c:txPr>
-        <c:crossAx val="-1897174784"/>
+        <c:crossAx val="-1524336576"/>
         <c:crosses val="autoZero"/>
         <c:crossBetween val="between"/>
       </c:valAx>
@@ -1464,7 +1529,7 @@
           <a:p>
             <a:fld id="{0347C848-8EF3-4188-8D4D-B52A72256704}" type="datetimeFigureOut">
               <a:rPr kumimoji="1" lang="ja-JP" altLang="en-US" smtClean="0"/>
-              <a:t>2016/1/27</a:t>
+              <a:t>2016/2/18</a:t>
             </a:fld>
             <a:endParaRPr kumimoji="1" lang="ja-JP" altLang="en-US"/>
           </a:p>
@@ -1666,7 +1731,7 @@
           <a:p>
             <a:fld id="{0347C848-8EF3-4188-8D4D-B52A72256704}" type="datetimeFigureOut">
               <a:rPr kumimoji="1" lang="ja-JP" altLang="en-US" smtClean="0"/>
-              <a:t>2016/1/27</a:t>
+              <a:t>2016/2/18</a:t>
             </a:fld>
             <a:endParaRPr kumimoji="1" lang="ja-JP" altLang="en-US"/>
           </a:p>
@@ -1878,7 +1943,7 @@
           <a:p>
             <a:fld id="{0347C848-8EF3-4188-8D4D-B52A72256704}" type="datetimeFigureOut">
               <a:rPr kumimoji="1" lang="ja-JP" altLang="en-US" smtClean="0"/>
-              <a:t>2016/1/27</a:t>
+              <a:t>2016/2/18</a:t>
             </a:fld>
             <a:endParaRPr kumimoji="1" lang="ja-JP" altLang="en-US"/>
           </a:p>
@@ -2080,7 +2145,7 @@
           <a:p>
             <a:fld id="{0347C848-8EF3-4188-8D4D-B52A72256704}" type="datetimeFigureOut">
               <a:rPr kumimoji="1" lang="ja-JP" altLang="en-US" smtClean="0"/>
-              <a:t>2016/1/27</a:t>
+              <a:t>2016/2/18</a:t>
             </a:fld>
             <a:endParaRPr kumimoji="1" lang="ja-JP" altLang="en-US"/>
           </a:p>
@@ -2326,7 +2391,7 @@
           <a:p>
             <a:fld id="{0347C848-8EF3-4188-8D4D-B52A72256704}" type="datetimeFigureOut">
               <a:rPr kumimoji="1" lang="ja-JP" altLang="en-US" smtClean="0"/>
-              <a:t>2016/1/27</a:t>
+              <a:t>2016/2/18</a:t>
             </a:fld>
             <a:endParaRPr kumimoji="1" lang="ja-JP" altLang="en-US"/>
           </a:p>
@@ -2622,7 +2687,7 @@
           <a:p>
             <a:fld id="{0347C848-8EF3-4188-8D4D-B52A72256704}" type="datetimeFigureOut">
               <a:rPr kumimoji="1" lang="ja-JP" altLang="en-US" smtClean="0"/>
-              <a:t>2016/1/27</a:t>
+              <a:t>2016/2/18</a:t>
             </a:fld>
             <a:endParaRPr kumimoji="1" lang="ja-JP" altLang="en-US"/>
           </a:p>
@@ -3053,7 +3118,7 @@
           <a:p>
             <a:fld id="{0347C848-8EF3-4188-8D4D-B52A72256704}" type="datetimeFigureOut">
               <a:rPr kumimoji="1" lang="ja-JP" altLang="en-US" smtClean="0"/>
-              <a:t>2016/1/27</a:t>
+              <a:t>2016/2/18</a:t>
             </a:fld>
             <a:endParaRPr kumimoji="1" lang="ja-JP" altLang="en-US"/>
           </a:p>
@@ -3171,7 +3236,7 @@
           <a:p>
             <a:fld id="{0347C848-8EF3-4188-8D4D-B52A72256704}" type="datetimeFigureOut">
               <a:rPr kumimoji="1" lang="ja-JP" altLang="en-US" smtClean="0"/>
-              <a:t>2016/1/27</a:t>
+              <a:t>2016/2/18</a:t>
             </a:fld>
             <a:endParaRPr kumimoji="1" lang="ja-JP" altLang="en-US"/>
           </a:p>
@@ -3266,7 +3331,7 @@
           <a:p>
             <a:fld id="{0347C848-8EF3-4188-8D4D-B52A72256704}" type="datetimeFigureOut">
               <a:rPr kumimoji="1" lang="ja-JP" altLang="en-US" smtClean="0"/>
-              <a:t>2016/1/27</a:t>
+              <a:t>2016/2/18</a:t>
             </a:fld>
             <a:endParaRPr kumimoji="1" lang="ja-JP" altLang="en-US"/>
           </a:p>
@@ -3575,7 +3640,7 @@
           <a:p>
             <a:fld id="{0347C848-8EF3-4188-8D4D-B52A72256704}" type="datetimeFigureOut">
               <a:rPr kumimoji="1" lang="ja-JP" altLang="en-US" smtClean="0"/>
-              <a:t>2016/1/27</a:t>
+              <a:t>2016/2/18</a:t>
             </a:fld>
             <a:endParaRPr kumimoji="1" lang="ja-JP" altLang="en-US"/>
           </a:p>
@@ -3828,7 +3893,7 @@
           <a:p>
             <a:fld id="{0347C848-8EF3-4188-8D4D-B52A72256704}" type="datetimeFigureOut">
               <a:rPr kumimoji="1" lang="ja-JP" altLang="en-US" smtClean="0"/>
-              <a:t>2016/1/27</a:t>
+              <a:t>2016/2/18</a:t>
             </a:fld>
             <a:endParaRPr kumimoji="1" lang="ja-JP" altLang="en-US"/>
           </a:p>
@@ -4073,7 +4138,7 @@
           <a:p>
             <a:fld id="{0347C848-8EF3-4188-8D4D-B52A72256704}" type="datetimeFigureOut">
               <a:rPr kumimoji="1" lang="ja-JP" altLang="en-US" smtClean="0"/>
-              <a:t>2016/1/27</a:t>
+              <a:t>2016/2/18</a:t>
             </a:fld>
             <a:endParaRPr kumimoji="1" lang="ja-JP" altLang="en-US"/>
           </a:p>
@@ -4487,7 +4552,7 @@
           <p:nvPr>
             <p:extLst>
               <p:ext uri="{D42A27DB-BD31-4B8C-83A1-F6EECF244321}">
-                <p14:modId xmlns:p14="http://schemas.microsoft.com/office/powerpoint/2010/main" val="2211167796"/>
+                <p14:modId xmlns:p14="http://schemas.microsoft.com/office/powerpoint/2010/main" val="858269279"/>
               </p:ext>
             </p:extLst>
           </p:nvPr>
